--- a/capstone_presentation.pptx
+++ b/capstone_presentation.pptx
@@ -6,12 +6,15 @@
   </p:sldMasterIdLst>
   <p:sldIdLst>
     <p:sldId id="256" r:id="rId2"/>
-    <p:sldId id="263" r:id="rId3"/>
-    <p:sldId id="260" r:id="rId4"/>
-    <p:sldId id="261" r:id="rId5"/>
-    <p:sldId id="259" r:id="rId6"/>
-    <p:sldId id="262" r:id="rId7"/>
-    <p:sldId id="264" r:id="rId8"/>
+    <p:sldId id="266" r:id="rId3"/>
+    <p:sldId id="263" r:id="rId4"/>
+    <p:sldId id="260" r:id="rId5"/>
+    <p:sldId id="261" r:id="rId6"/>
+    <p:sldId id="265" r:id="rId7"/>
+    <p:sldId id="259" r:id="rId8"/>
+    <p:sldId id="262" r:id="rId9"/>
+    <p:sldId id="267" r:id="rId10"/>
+    <p:sldId id="264" r:id="rId11"/>
   </p:sldIdLst>
   <p:sldSz cx="12192000" cy="6858000"/>
   <p:notesSz cx="6858000" cy="9144000"/>
@@ -265,7 +268,7 @@
           <a:p>
             <a:fld id="{6C21F5DF-C22A-42CD-9886-218C7CE8C2E2}" type="datetimeFigureOut">
               <a:rPr lang="en-US" smtClean="0"/>
-              <a:t>8/13/2022</a:t>
+              <a:t>8/31/2022</a:t>
             </a:fld>
             <a:endParaRPr lang="en-US"/>
           </a:p>
@@ -463,7 +466,7 @@
           <a:p>
             <a:fld id="{6C21F5DF-C22A-42CD-9886-218C7CE8C2E2}" type="datetimeFigureOut">
               <a:rPr lang="en-US" smtClean="0"/>
-              <a:t>8/13/2022</a:t>
+              <a:t>8/31/2022</a:t>
             </a:fld>
             <a:endParaRPr lang="en-US"/>
           </a:p>
@@ -671,7 +674,7 @@
           <a:p>
             <a:fld id="{6C21F5DF-C22A-42CD-9886-218C7CE8C2E2}" type="datetimeFigureOut">
               <a:rPr lang="en-US" smtClean="0"/>
-              <a:t>8/13/2022</a:t>
+              <a:t>8/31/2022</a:t>
             </a:fld>
             <a:endParaRPr lang="en-US"/>
           </a:p>
@@ -869,7 +872,7 @@
           <a:p>
             <a:fld id="{6C21F5DF-C22A-42CD-9886-218C7CE8C2E2}" type="datetimeFigureOut">
               <a:rPr lang="en-US" smtClean="0"/>
-              <a:t>8/13/2022</a:t>
+              <a:t>8/31/2022</a:t>
             </a:fld>
             <a:endParaRPr lang="en-US"/>
           </a:p>
@@ -1144,7 +1147,7 @@
           <a:p>
             <a:fld id="{6C21F5DF-C22A-42CD-9886-218C7CE8C2E2}" type="datetimeFigureOut">
               <a:rPr lang="en-US" smtClean="0"/>
-              <a:t>8/13/2022</a:t>
+              <a:t>8/31/2022</a:t>
             </a:fld>
             <a:endParaRPr lang="en-US"/>
           </a:p>
@@ -1409,7 +1412,7 @@
           <a:p>
             <a:fld id="{6C21F5DF-C22A-42CD-9886-218C7CE8C2E2}" type="datetimeFigureOut">
               <a:rPr lang="en-US" smtClean="0"/>
-              <a:t>8/13/2022</a:t>
+              <a:t>8/31/2022</a:t>
             </a:fld>
             <a:endParaRPr lang="en-US"/>
           </a:p>
@@ -1821,7 +1824,7 @@
           <a:p>
             <a:fld id="{6C21F5DF-C22A-42CD-9886-218C7CE8C2E2}" type="datetimeFigureOut">
               <a:rPr lang="en-US" smtClean="0"/>
-              <a:t>8/13/2022</a:t>
+              <a:t>8/31/2022</a:t>
             </a:fld>
             <a:endParaRPr lang="en-US"/>
           </a:p>
@@ -1962,7 +1965,7 @@
           <a:p>
             <a:fld id="{6C21F5DF-C22A-42CD-9886-218C7CE8C2E2}" type="datetimeFigureOut">
               <a:rPr lang="en-US" smtClean="0"/>
-              <a:t>8/13/2022</a:t>
+              <a:t>8/31/2022</a:t>
             </a:fld>
             <a:endParaRPr lang="en-US"/>
           </a:p>
@@ -2075,7 +2078,7 @@
           <a:p>
             <a:fld id="{6C21F5DF-C22A-42CD-9886-218C7CE8C2E2}" type="datetimeFigureOut">
               <a:rPr lang="en-US" smtClean="0"/>
-              <a:t>8/13/2022</a:t>
+              <a:t>8/31/2022</a:t>
             </a:fld>
             <a:endParaRPr lang="en-US"/>
           </a:p>
@@ -2386,7 +2389,7 @@
           <a:p>
             <a:fld id="{6C21F5DF-C22A-42CD-9886-218C7CE8C2E2}" type="datetimeFigureOut">
               <a:rPr lang="en-US" smtClean="0"/>
-              <a:t>8/13/2022</a:t>
+              <a:t>8/31/2022</a:t>
             </a:fld>
             <a:endParaRPr lang="en-US"/>
           </a:p>
@@ -2674,7 +2677,7 @@
           <a:p>
             <a:fld id="{6C21F5DF-C22A-42CD-9886-218C7CE8C2E2}" type="datetimeFigureOut">
               <a:rPr lang="en-US" smtClean="0"/>
-              <a:t>8/13/2022</a:t>
+              <a:t>8/31/2022</a:t>
             </a:fld>
             <a:endParaRPr lang="en-US"/>
           </a:p>
@@ -2943,7 +2946,7 @@
           <a:p>
             <a:fld id="{6C21F5DF-C22A-42CD-9886-218C7CE8C2E2}" type="datetimeFigureOut">
               <a:rPr lang="en-US" smtClean="0"/>
-              <a:t>8/13/2022</a:t>
+              <a:t>8/31/2022</a:t>
             </a:fld>
             <a:endParaRPr lang="en-US"/>
           </a:p>
@@ -3429,7 +3432,166 @@
 </p:sld>
 </file>
 
+<file path=ppt/slides/slide10.xml><?xml version="1.0" encoding="utf-8"?>
+<p:sld xmlns:a="http://schemas.openxmlformats.org/drawingml/2006/main" xmlns:r="http://schemas.openxmlformats.org/officeDocument/2006/relationships" xmlns:p="http://schemas.openxmlformats.org/presentationml/2006/main">
+  <p:cSld>
+    <p:spTree>
+      <p:nvGrpSpPr>
+        <p:cNvPr id="1" name=""/>
+        <p:cNvGrpSpPr/>
+        <p:nvPr/>
+      </p:nvGrpSpPr>
+      <p:grpSpPr>
+        <a:xfrm>
+          <a:off x="0" y="0"/>
+          <a:ext cx="0" cy="0"/>
+          <a:chOff x="0" y="0"/>
+          <a:chExt cx="0" cy="0"/>
+        </a:xfrm>
+      </p:grpSpPr>
+      <p:sp>
+        <p:nvSpPr>
+          <p:cNvPr id="2" name="Title 1">
+            <a:extLst>
+              <a:ext uri="{FF2B5EF4-FFF2-40B4-BE49-F238E27FC236}">
+                <a16:creationId xmlns:a16="http://schemas.microsoft.com/office/drawing/2014/main" id="{F109D128-8C98-7F8D-1528-E918C71ECFFA}"/>
+              </a:ext>
+            </a:extLst>
+          </p:cNvPr>
+          <p:cNvSpPr>
+            <a:spLocks noGrp="1"/>
+          </p:cNvSpPr>
+          <p:nvPr>
+            <p:ph type="title"/>
+          </p:nvPr>
+        </p:nvSpPr>
+        <p:spPr/>
+        <p:txBody>
+          <a:bodyPr>
+            <a:normAutofit/>
+          </a:bodyPr>
+          <a:lstStyle/>
+          <a:p>
+            <a:pPr algn="ctr"/>
+            <a:r>
+              <a:rPr lang="en-US" sz="3200" dirty="0"/>
+              <a:t>Future Works</a:t>
+            </a:r>
+          </a:p>
+        </p:txBody>
+      </p:sp>
+      <p:sp>
+        <p:nvSpPr>
+          <p:cNvPr id="3" name="Content Placeholder 2">
+            <a:extLst>
+              <a:ext uri="{FF2B5EF4-FFF2-40B4-BE49-F238E27FC236}">
+                <a16:creationId xmlns:a16="http://schemas.microsoft.com/office/drawing/2014/main" id="{7CB5523E-22C1-7DF7-FF5F-EED859E4AD95}"/>
+              </a:ext>
+            </a:extLst>
+          </p:cNvPr>
+          <p:cNvSpPr>
+            <a:spLocks noGrp="1"/>
+          </p:cNvSpPr>
+          <p:nvPr>
+            <p:ph idx="1"/>
+          </p:nvPr>
+        </p:nvSpPr>
+        <p:spPr/>
+        <p:txBody>
+          <a:bodyPr/>
+          <a:lstStyle/>
+          <a:p>
+            <a:r>
+              <a:rPr lang="en-US" dirty="0"/>
+              <a:t>Movie descriptions</a:t>
+            </a:r>
+          </a:p>
+          <a:p>
+            <a:r>
+              <a:rPr lang="en-US" dirty="0"/>
+              <a:t>Hybrid system</a:t>
+            </a:r>
+          </a:p>
+        </p:txBody>
+      </p:sp>
+    </p:spTree>
+    <p:extLst>
+      <p:ext uri="{BB962C8B-B14F-4D97-AF65-F5344CB8AC3E}">
+        <p14:creationId xmlns:p14="http://schemas.microsoft.com/office/powerpoint/2010/main" val="3351426515"/>
+      </p:ext>
+    </p:extLst>
+  </p:cSld>
+  <p:clrMapOvr>
+    <a:masterClrMapping/>
+  </p:clrMapOvr>
+</p:sld>
+</file>
+
 <file path=ppt/slides/slide2.xml><?xml version="1.0" encoding="utf-8"?>
+<p:sld xmlns:a="http://schemas.openxmlformats.org/drawingml/2006/main" xmlns:r="http://schemas.openxmlformats.org/officeDocument/2006/relationships" xmlns:p="http://schemas.openxmlformats.org/presentationml/2006/main">
+  <p:cSld>
+    <p:spTree>
+      <p:nvGrpSpPr>
+        <p:cNvPr id="1" name=""/>
+        <p:cNvGrpSpPr/>
+        <p:nvPr/>
+      </p:nvGrpSpPr>
+      <p:grpSpPr>
+        <a:xfrm>
+          <a:off x="0" y="0"/>
+          <a:ext cx="0" cy="0"/>
+          <a:chOff x="0" y="0"/>
+          <a:chExt cx="0" cy="0"/>
+        </a:xfrm>
+      </p:grpSpPr>
+      <p:sp>
+        <p:nvSpPr>
+          <p:cNvPr id="3" name="Title 2">
+            <a:extLst>
+              <a:ext uri="{FF2B5EF4-FFF2-40B4-BE49-F238E27FC236}">
+                <a16:creationId xmlns:a16="http://schemas.microsoft.com/office/drawing/2014/main" id="{AFE360A0-CE1D-CFA6-79C4-18BF6A0F7FF4}"/>
+              </a:ext>
+            </a:extLst>
+          </p:cNvPr>
+          <p:cNvSpPr>
+            <a:spLocks noGrp="1"/>
+          </p:cNvSpPr>
+          <p:nvPr>
+            <p:ph type="title"/>
+          </p:nvPr>
+        </p:nvSpPr>
+        <p:spPr>
+          <a:xfrm>
+            <a:off x="918210" y="2696845"/>
+            <a:ext cx="10515600" cy="1325563"/>
+          </a:xfrm>
+        </p:spPr>
+        <p:txBody>
+          <a:bodyPr/>
+          <a:lstStyle/>
+          <a:p>
+            <a:pPr algn="ctr"/>
+            <a:r>
+              <a:rPr lang="en-US" dirty="0"/>
+              <a:t>Content Filtering</a:t>
+            </a:r>
+          </a:p>
+        </p:txBody>
+      </p:sp>
+    </p:spTree>
+    <p:extLst>
+      <p:ext uri="{BB962C8B-B14F-4D97-AF65-F5344CB8AC3E}">
+        <p14:creationId xmlns:p14="http://schemas.microsoft.com/office/powerpoint/2010/main" val="73587166"/>
+      </p:ext>
+    </p:extLst>
+  </p:cSld>
+  <p:clrMapOvr>
+    <a:masterClrMapping/>
+  </p:clrMapOvr>
+</p:sld>
+</file>
+
+<file path=ppt/slides/slide3.xml><?xml version="1.0" encoding="utf-8"?>
 <p:sld xmlns:a="http://schemas.openxmlformats.org/drawingml/2006/main" xmlns:r="http://schemas.openxmlformats.org/officeDocument/2006/relationships" xmlns:p="http://schemas.openxmlformats.org/presentationml/2006/main">
   <p:cSld>
     <p:spTree>
@@ -3582,7 +3744,7 @@
 </p:sld>
 </file>
 
-<file path=ppt/slides/slide3.xml><?xml version="1.0" encoding="utf-8"?>
+<file path=ppt/slides/slide4.xml><?xml version="1.0" encoding="utf-8"?>
 <p:sld xmlns:a="http://schemas.openxmlformats.org/drawingml/2006/main" xmlns:r="http://schemas.openxmlformats.org/officeDocument/2006/relationships" xmlns:p="http://schemas.openxmlformats.org/presentationml/2006/main">
   <p:cSld>
     <p:spTree>
@@ -3842,7 +4004,7 @@
 </p:sld>
 </file>
 
-<file path=ppt/slides/slide4.xml><?xml version="1.0" encoding="utf-8"?>
+<file path=ppt/slides/slide5.xml><?xml version="1.0" encoding="utf-8"?>
 <p:sld xmlns:a="http://schemas.openxmlformats.org/drawingml/2006/main" xmlns:r="http://schemas.openxmlformats.org/officeDocument/2006/relationships" xmlns:p="http://schemas.openxmlformats.org/presentationml/2006/main">
   <p:cSld>
     <p:spTree>
@@ -4143,107 +4305,6 @@
 </p:sld>
 </file>
 
-<file path=ppt/slides/slide5.xml><?xml version="1.0" encoding="utf-8"?>
-<p:sld xmlns:a="http://schemas.openxmlformats.org/drawingml/2006/main" xmlns:r="http://schemas.openxmlformats.org/officeDocument/2006/relationships" xmlns:p="http://schemas.openxmlformats.org/presentationml/2006/main">
-  <p:cSld>
-    <p:spTree>
-      <p:nvGrpSpPr>
-        <p:cNvPr id="1" name=""/>
-        <p:cNvGrpSpPr/>
-        <p:nvPr/>
-      </p:nvGrpSpPr>
-      <p:grpSpPr>
-        <a:xfrm>
-          <a:off x="0" y="0"/>
-          <a:ext cx="0" cy="0"/>
-          <a:chOff x="0" y="0"/>
-          <a:chExt cx="0" cy="0"/>
-        </a:xfrm>
-      </p:grpSpPr>
-      <p:pic>
-        <p:nvPicPr>
-          <p:cNvPr id="5" name="Picture 4">
-            <a:extLst>
-              <a:ext uri="{FF2B5EF4-FFF2-40B4-BE49-F238E27FC236}">
-                <a16:creationId xmlns:a16="http://schemas.microsoft.com/office/drawing/2014/main" id="{6FE63FF5-4354-A534-DBCA-B73CD95BBE9C}"/>
-              </a:ext>
-            </a:extLst>
-          </p:cNvPr>
-          <p:cNvPicPr>
-            <a:picLocks noChangeAspect="1"/>
-          </p:cNvPicPr>
-          <p:nvPr/>
-        </p:nvPicPr>
-        <p:blipFill>
-          <a:blip r:embed="rId2"/>
-          <a:stretch>
-            <a:fillRect/>
-          </a:stretch>
-        </p:blipFill>
-        <p:spPr>
-          <a:xfrm>
-            <a:off x="2674620" y="1150449"/>
-            <a:ext cx="7806690" cy="5422291"/>
-          </a:xfrm>
-          <a:prstGeom prst="rect">
-            <a:avLst/>
-          </a:prstGeom>
-          <a:ln w="25400">
-            <a:solidFill>
-              <a:srgbClr val="002060"/>
-            </a:solidFill>
-          </a:ln>
-        </p:spPr>
-      </p:pic>
-      <p:sp>
-        <p:nvSpPr>
-          <p:cNvPr id="6" name="Title 5">
-            <a:extLst>
-              <a:ext uri="{FF2B5EF4-FFF2-40B4-BE49-F238E27FC236}">
-                <a16:creationId xmlns:a16="http://schemas.microsoft.com/office/drawing/2014/main" id="{A2647C21-3715-74E5-1CBB-431F49436285}"/>
-              </a:ext>
-            </a:extLst>
-          </p:cNvPr>
-          <p:cNvSpPr>
-            <a:spLocks noGrp="1"/>
-          </p:cNvSpPr>
-          <p:nvPr>
-            <p:ph type="title"/>
-          </p:nvPr>
-        </p:nvSpPr>
-        <p:spPr>
-          <a:xfrm>
-            <a:off x="781050" y="0"/>
-            <a:ext cx="10515600" cy="1325563"/>
-          </a:xfrm>
-        </p:spPr>
-        <p:txBody>
-          <a:bodyPr>
-            <a:normAutofit/>
-          </a:bodyPr>
-          <a:lstStyle/>
-          <a:p>
-            <a:pPr algn="ctr"/>
-            <a:r>
-              <a:rPr lang="en-US" sz="3200" dirty="0"/>
-              <a:t>User Ratings</a:t>
-            </a:r>
-          </a:p>
-        </p:txBody>
-      </p:sp>
-    </p:spTree>
-    <p:extLst>
-      <p:ext uri="{BB962C8B-B14F-4D97-AF65-F5344CB8AC3E}">
-        <p14:creationId xmlns:p14="http://schemas.microsoft.com/office/powerpoint/2010/main" val="1742575591"/>
-      </p:ext>
-    </p:extLst>
-  </p:cSld>
-  <p:clrMapOvr>
-    <a:masterClrMapping/>
-  </p:clrMapOvr>
-</p:sld>
-</file>
-
 <file path=ppt/slides/slide6.xml><?xml version="1.0" encoding="utf-8"?>
 <p:sld xmlns:a="http://schemas.openxmlformats.org/drawingml/2006/main" xmlns:r="http://schemas.openxmlformats.org/officeDocument/2006/relationships" xmlns:p="http://schemas.openxmlformats.org/presentationml/2006/main">
   <p:cSld>
@@ -4261,260 +4322,12 @@
           <a:chExt cx="0" cy="0"/>
         </a:xfrm>
       </p:grpSpPr>
-      <p:grpSp>
-        <p:nvGrpSpPr>
-          <p:cNvPr id="17" name="Group 16">
-            <a:extLst>
-              <a:ext uri="{FF2B5EF4-FFF2-40B4-BE49-F238E27FC236}">
-                <a16:creationId xmlns:a16="http://schemas.microsoft.com/office/drawing/2014/main" id="{EDEE08ED-A5A9-7E42-1818-BBB8BC6F48D5}"/>
-              </a:ext>
-            </a:extLst>
-          </p:cNvPr>
-          <p:cNvGrpSpPr/>
-          <p:nvPr/>
-        </p:nvGrpSpPr>
-        <p:grpSpPr>
-          <a:xfrm>
-            <a:off x="7327975" y="1182944"/>
-            <a:ext cx="4235375" cy="3229035"/>
-            <a:chOff x="341550" y="805754"/>
-            <a:chExt cx="4235375" cy="3229035"/>
-          </a:xfrm>
-        </p:grpSpPr>
-        <p:pic>
-          <p:nvPicPr>
-            <p:cNvPr id="3" name="Picture 2">
-              <a:extLst>
-                <a:ext uri="{FF2B5EF4-FFF2-40B4-BE49-F238E27FC236}">
-                  <a16:creationId xmlns:a16="http://schemas.microsoft.com/office/drawing/2014/main" id="{3A691A14-FA0B-FC3D-21C3-9F902DFDC74B}"/>
-                </a:ext>
-              </a:extLst>
-            </p:cNvPr>
-            <p:cNvPicPr>
-              <a:picLocks noChangeAspect="1"/>
-            </p:cNvPicPr>
-            <p:nvPr/>
-          </p:nvPicPr>
-          <p:blipFill>
-            <a:blip r:embed="rId2"/>
-            <a:stretch>
-              <a:fillRect/>
-            </a:stretch>
-          </p:blipFill>
-          <p:spPr>
-            <a:xfrm>
-              <a:off x="341550" y="805754"/>
-              <a:ext cx="4235375" cy="3229035"/>
-            </a:xfrm>
-            <a:prstGeom prst="rect">
-              <a:avLst/>
-            </a:prstGeom>
-            <a:ln w="25400">
-              <a:solidFill>
-                <a:schemeClr val="tx1"/>
-              </a:solidFill>
-            </a:ln>
-          </p:spPr>
-        </p:pic>
-        <p:sp>
-          <p:nvSpPr>
-            <p:cNvPr id="14" name="TextBox 13">
-              <a:extLst>
-                <a:ext uri="{FF2B5EF4-FFF2-40B4-BE49-F238E27FC236}">
-                  <a16:creationId xmlns:a16="http://schemas.microsoft.com/office/drawing/2014/main" id="{A6CA8C16-49E1-C540-8E73-104C4F67F1F8}"/>
-                </a:ext>
-              </a:extLst>
-            </p:cNvPr>
-            <p:cNvSpPr txBox="1"/>
-            <p:nvPr/>
-          </p:nvSpPr>
-          <p:spPr>
-            <a:xfrm>
-              <a:off x="1017270" y="2080260"/>
-              <a:ext cx="3348990" cy="468630"/>
-            </a:xfrm>
-            <a:prstGeom prst="rect">
-              <a:avLst/>
-            </a:prstGeom>
-            <a:noFill/>
-            <a:ln w="25400">
-              <a:solidFill>
-                <a:srgbClr val="FF0000"/>
-              </a:solidFill>
-            </a:ln>
-          </p:spPr>
-          <p:txBody>
-            <a:bodyPr wrap="square" rtlCol="0">
-              <a:spAutoFit/>
-            </a:bodyPr>
-            <a:lstStyle/>
-            <a:p>
-              <a:endParaRPr lang="en-US" dirty="0"/>
-            </a:p>
-          </p:txBody>
-        </p:sp>
-      </p:grpSp>
-      <p:grpSp>
-        <p:nvGrpSpPr>
-          <p:cNvPr id="16" name="Group 15">
-            <a:extLst>
-              <a:ext uri="{FF2B5EF4-FFF2-40B4-BE49-F238E27FC236}">
-                <a16:creationId xmlns:a16="http://schemas.microsoft.com/office/drawing/2014/main" id="{F5CA3BE4-7FFA-8CFC-DF38-083C6036A775}"/>
-              </a:ext>
-            </a:extLst>
-          </p:cNvPr>
-          <p:cNvGrpSpPr/>
-          <p:nvPr/>
-        </p:nvGrpSpPr>
-        <p:grpSpPr>
-          <a:xfrm>
-            <a:off x="129540" y="1101090"/>
-            <a:ext cx="6842760" cy="5013960"/>
-            <a:chOff x="5124450" y="506730"/>
-            <a:chExt cx="6842760" cy="5013960"/>
-          </a:xfrm>
-        </p:grpSpPr>
-        <p:grpSp>
-          <p:nvGrpSpPr>
-            <p:cNvPr id="8" name="Group 7">
-              <a:extLst>
-                <a:ext uri="{FF2B5EF4-FFF2-40B4-BE49-F238E27FC236}">
-                  <a16:creationId xmlns:a16="http://schemas.microsoft.com/office/drawing/2014/main" id="{3118E7ED-27CB-9DEF-341E-476F991D4715}"/>
-                </a:ext>
-              </a:extLst>
-            </p:cNvPr>
-            <p:cNvGrpSpPr/>
-            <p:nvPr/>
-          </p:nvGrpSpPr>
-          <p:grpSpPr>
-            <a:xfrm>
-              <a:off x="5124450" y="506730"/>
-              <a:ext cx="6842760" cy="5013960"/>
-              <a:chOff x="4461510" y="1443990"/>
-              <a:chExt cx="5242560" cy="3949156"/>
-            </a:xfrm>
-          </p:grpSpPr>
-          <p:pic>
-            <p:nvPicPr>
-              <p:cNvPr id="10" name="Picture 9">
-                <a:extLst>
-                  <a:ext uri="{FF2B5EF4-FFF2-40B4-BE49-F238E27FC236}">
-                    <a16:creationId xmlns:a16="http://schemas.microsoft.com/office/drawing/2014/main" id="{818ED989-3500-E1A0-20AD-A15FE20C637F}"/>
-                  </a:ext>
-                </a:extLst>
-              </p:cNvPr>
-              <p:cNvPicPr>
-                <a:picLocks noChangeAspect="1"/>
-              </p:cNvPicPr>
-              <p:nvPr/>
-            </p:nvPicPr>
-            <p:blipFill>
-              <a:blip r:embed="rId3"/>
-              <a:stretch>
-                <a:fillRect/>
-              </a:stretch>
-            </p:blipFill>
-            <p:spPr>
-              <a:xfrm>
-                <a:off x="4486776" y="1830613"/>
-                <a:ext cx="5207268" cy="3562533"/>
-              </a:xfrm>
-              <a:prstGeom prst="rect">
-                <a:avLst/>
-              </a:prstGeom>
-              <a:ln w="25400">
-                <a:solidFill>
-                  <a:schemeClr val="tx1"/>
-                </a:solidFill>
-              </a:ln>
-            </p:spPr>
-          </p:pic>
-          <p:sp>
-            <p:nvSpPr>
-              <p:cNvPr id="11" name="TextBox 10">
-                <a:extLst>
-                  <a:ext uri="{FF2B5EF4-FFF2-40B4-BE49-F238E27FC236}">
-                    <a16:creationId xmlns:a16="http://schemas.microsoft.com/office/drawing/2014/main" id="{6AD250AF-EBFA-C407-0C6E-F370C4022BC1}"/>
-                  </a:ext>
-                </a:extLst>
-              </p:cNvPr>
-              <p:cNvSpPr txBox="1"/>
-              <p:nvPr/>
-            </p:nvSpPr>
-            <p:spPr>
-              <a:xfrm>
-                <a:off x="4461510" y="1443990"/>
-                <a:ext cx="5242560" cy="369332"/>
-              </a:xfrm>
-              <a:prstGeom prst="rect">
-                <a:avLst/>
-              </a:prstGeom>
-              <a:noFill/>
-              <a:ln w="25400">
-                <a:solidFill>
-                  <a:srgbClr val="002060"/>
-                </a:solidFill>
-              </a:ln>
-            </p:spPr>
-            <p:txBody>
-              <a:bodyPr wrap="square" rtlCol="0">
-                <a:spAutoFit/>
-              </a:bodyPr>
-              <a:lstStyle/>
-              <a:p>
-                <a:pPr algn="ctr"/>
-                <a:r>
-                  <a:rPr lang="en-US" dirty="0"/>
-                  <a:t>Men in Black II</a:t>
-                </a:r>
-              </a:p>
-            </p:txBody>
-          </p:sp>
-        </p:grpSp>
-        <p:sp>
-          <p:nvSpPr>
-            <p:cNvPr id="15" name="TextBox 14">
-              <a:extLst>
-                <a:ext uri="{FF2B5EF4-FFF2-40B4-BE49-F238E27FC236}">
-                  <a16:creationId xmlns:a16="http://schemas.microsoft.com/office/drawing/2014/main" id="{238DFBB8-7D69-5FC7-0493-B9AC00F69002}"/>
-                </a:ext>
-              </a:extLst>
-            </p:cNvPr>
-            <p:cNvSpPr txBox="1"/>
-            <p:nvPr/>
-          </p:nvSpPr>
-          <p:spPr>
-            <a:xfrm>
-              <a:off x="11189970" y="1729740"/>
-              <a:ext cx="735330" cy="3413760"/>
-            </a:xfrm>
-            <a:prstGeom prst="rect">
-              <a:avLst/>
-            </a:prstGeom>
-            <a:noFill/>
-            <a:ln w="25400">
-              <a:solidFill>
-                <a:srgbClr val="FF0000"/>
-              </a:solidFill>
-            </a:ln>
-          </p:spPr>
-          <p:txBody>
-            <a:bodyPr wrap="square" rtlCol="0">
-              <a:spAutoFit/>
-            </a:bodyPr>
-            <a:lstStyle/>
-            <a:p>
-              <a:endParaRPr lang="en-US" dirty="0"/>
-            </a:p>
-          </p:txBody>
-        </p:sp>
-      </p:grpSp>
-      <p:sp>
-        <p:nvSpPr>
-          <p:cNvPr id="18" name="Title 17">
-            <a:extLst>
-              <a:ext uri="{FF2B5EF4-FFF2-40B4-BE49-F238E27FC236}">
-                <a16:creationId xmlns:a16="http://schemas.microsoft.com/office/drawing/2014/main" id="{43C87396-02C5-A142-1053-5D1ADBB5CD98}"/>
+      <p:sp>
+        <p:nvSpPr>
+          <p:cNvPr id="3" name="Title 2">
+            <a:extLst>
+              <a:ext uri="{FF2B5EF4-FFF2-40B4-BE49-F238E27FC236}">
+                <a16:creationId xmlns:a16="http://schemas.microsoft.com/office/drawing/2014/main" id="{AFE360A0-CE1D-CFA6-79C4-18BF6A0F7FF4}"/>
               </a:ext>
             </a:extLst>
           </p:cNvPr>
@@ -4527,100 +4340,26 @@
         </p:nvSpPr>
         <p:spPr>
           <a:xfrm>
-            <a:off x="849630" y="0"/>
+            <a:off x="918210" y="2696845"/>
             <a:ext cx="10515600" cy="1325563"/>
           </a:xfrm>
         </p:spPr>
         <p:txBody>
-          <a:bodyPr>
-            <a:normAutofit/>
-          </a:bodyPr>
+          <a:bodyPr/>
           <a:lstStyle/>
           <a:p>
             <a:pPr algn="ctr"/>
             <a:r>
-              <a:rPr lang="en-US" sz="3200" dirty="0"/>
-              <a:t>Item Collaborative Filtering</a:t>
-            </a:r>
-          </a:p>
-        </p:txBody>
-      </p:sp>
-      <p:pic>
-        <p:nvPicPr>
-          <p:cNvPr id="20" name="Picture 19">
-            <a:extLst>
-              <a:ext uri="{FF2B5EF4-FFF2-40B4-BE49-F238E27FC236}">
-                <a16:creationId xmlns:a16="http://schemas.microsoft.com/office/drawing/2014/main" id="{4EBF991F-6109-E01A-BEE9-66A1CA4D6830}"/>
-              </a:ext>
-            </a:extLst>
-          </p:cNvPr>
-          <p:cNvPicPr>
-            <a:picLocks noChangeAspect="1"/>
-          </p:cNvPicPr>
-          <p:nvPr/>
-        </p:nvPicPr>
-        <p:blipFill>
-          <a:blip r:embed="rId4"/>
-          <a:stretch>
-            <a:fillRect/>
-          </a:stretch>
-        </p:blipFill>
-        <p:spPr>
-          <a:xfrm>
-            <a:off x="7659964" y="4644377"/>
-            <a:ext cx="3125856" cy="979183"/>
-          </a:xfrm>
-          <a:prstGeom prst="rect">
-            <a:avLst/>
-          </a:prstGeom>
-          <a:ln w="25400">
-            <a:solidFill>
-              <a:srgbClr val="002060"/>
-            </a:solidFill>
-          </a:ln>
-        </p:spPr>
-      </p:pic>
-      <p:sp>
-        <p:nvSpPr>
-          <p:cNvPr id="21" name="TextBox 20">
-            <a:extLst>
-              <a:ext uri="{FF2B5EF4-FFF2-40B4-BE49-F238E27FC236}">
-                <a16:creationId xmlns:a16="http://schemas.microsoft.com/office/drawing/2014/main" id="{94B2B400-4F58-075B-2476-2230F32BB8BF}"/>
-              </a:ext>
-            </a:extLst>
-          </p:cNvPr>
-          <p:cNvSpPr txBox="1"/>
-          <p:nvPr/>
-        </p:nvSpPr>
-        <p:spPr>
-          <a:xfrm>
-            <a:off x="7760971" y="5269230"/>
-            <a:ext cx="2948940" cy="365760"/>
-          </a:xfrm>
-          <a:prstGeom prst="rect">
-            <a:avLst/>
-          </a:prstGeom>
-          <a:noFill/>
-          <a:ln w="25400">
-            <a:solidFill>
-              <a:srgbClr val="FF0000"/>
-            </a:solidFill>
-          </a:ln>
-        </p:spPr>
-        <p:txBody>
-          <a:bodyPr wrap="square" rtlCol="0">
-            <a:spAutoFit/>
-          </a:bodyPr>
-          <a:lstStyle/>
-          <a:p>
-            <a:endParaRPr lang="en-US" dirty="0"/>
+              <a:rPr lang="en-US" dirty="0"/>
+              <a:t>Collaborative Filtering</a:t>
+            </a:r>
           </a:p>
         </p:txBody>
       </p:sp>
     </p:spTree>
     <p:extLst>
       <p:ext uri="{BB962C8B-B14F-4D97-AF65-F5344CB8AC3E}">
-        <p14:creationId xmlns:p14="http://schemas.microsoft.com/office/powerpoint/2010/main" val="2927555631"/>
+        <p14:creationId xmlns:p14="http://schemas.microsoft.com/office/powerpoint/2010/main" val="255409109"/>
       </p:ext>
     </p:extLst>
   </p:cSld>
@@ -4649,10 +4388,10 @@
       </p:grpSpPr>
       <p:sp>
         <p:nvSpPr>
-          <p:cNvPr id="2" name="Title 1">
-            <a:extLst>
-              <a:ext uri="{FF2B5EF4-FFF2-40B4-BE49-F238E27FC236}">
-                <a16:creationId xmlns:a16="http://schemas.microsoft.com/office/drawing/2014/main" id="{F109D128-8C98-7F8D-1528-E918C71ECFFA}"/>
+          <p:cNvPr id="6" name="Title 5">
+            <a:extLst>
+              <a:ext uri="{FF2B5EF4-FFF2-40B4-BE49-F238E27FC236}">
+                <a16:creationId xmlns:a16="http://schemas.microsoft.com/office/drawing/2014/main" id="{A2647C21-3715-74E5-1CBB-431F49436285}"/>
               </a:ext>
             </a:extLst>
           </p:cNvPr>
@@ -4663,7 +4402,12 @@
             <p:ph type="title"/>
           </p:nvPr>
         </p:nvSpPr>
-        <p:spPr/>
+        <p:spPr>
+          <a:xfrm>
+            <a:off x="781050" y="0"/>
+            <a:ext cx="10515600" cy="1325563"/>
+          </a:xfrm>
+        </p:spPr>
         <p:txBody>
           <a:bodyPr>
             <a:normAutofit/>
@@ -4673,49 +4417,502 @@
             <a:pPr algn="ctr"/>
             <a:r>
               <a:rPr lang="en-US" sz="3200" dirty="0"/>
-              <a:t>Future Works</a:t>
-            </a:r>
-          </a:p>
-        </p:txBody>
-      </p:sp>
-      <p:sp>
-        <p:nvSpPr>
-          <p:cNvPr id="3" name="Content Placeholder 2">
-            <a:extLst>
-              <a:ext uri="{FF2B5EF4-FFF2-40B4-BE49-F238E27FC236}">
-                <a16:creationId xmlns:a16="http://schemas.microsoft.com/office/drawing/2014/main" id="{7CB5523E-22C1-7DF7-FF5F-EED859E4AD95}"/>
-              </a:ext>
-            </a:extLst>
-          </p:cNvPr>
-          <p:cNvSpPr>
-            <a:spLocks noGrp="1"/>
-          </p:cNvSpPr>
-          <p:nvPr>
-            <p:ph idx="1"/>
-          </p:nvPr>
-        </p:nvSpPr>
-        <p:spPr/>
-        <p:txBody>
-          <a:bodyPr/>
-          <a:lstStyle/>
-          <a:p>
-            <a:r>
-              <a:rPr lang="en-US" dirty="0"/>
-              <a:t>Movie descriptions</a:t>
-            </a:r>
-          </a:p>
-          <a:p>
-            <a:r>
-              <a:rPr lang="en-US" dirty="0"/>
-              <a:t>Hybrid system</a:t>
-            </a:r>
-          </a:p>
-        </p:txBody>
-      </p:sp>
+              <a:t>User Ratings</a:t>
+            </a:r>
+          </a:p>
+        </p:txBody>
+      </p:sp>
+      <p:sp>
+        <p:nvSpPr>
+          <p:cNvPr id="2" name="TextBox 1">
+            <a:extLst>
+              <a:ext uri="{FF2B5EF4-FFF2-40B4-BE49-F238E27FC236}">
+                <a16:creationId xmlns:a16="http://schemas.microsoft.com/office/drawing/2014/main" id="{AA3A209A-2FC1-2AA5-9DFB-B4E6B4F68557}"/>
+              </a:ext>
+            </a:extLst>
+          </p:cNvPr>
+          <p:cNvSpPr txBox="1"/>
+          <p:nvPr/>
+        </p:nvSpPr>
+        <p:spPr>
+          <a:xfrm>
+            <a:off x="365760" y="1840230"/>
+            <a:ext cx="3303270" cy="1815882"/>
+          </a:xfrm>
+          <a:prstGeom prst="rect">
+            <a:avLst/>
+          </a:prstGeom>
+          <a:noFill/>
+        </p:spPr>
+        <p:txBody>
+          <a:bodyPr wrap="square" rtlCol="0">
+            <a:spAutoFit/>
+          </a:bodyPr>
+          <a:lstStyle/>
+          <a:p>
+            <a:pPr marL="457200" indent="-457200">
+              <a:buFont typeface="Arial" panose="020B0604020202020204" pitchFamily="34" charset="0"/>
+              <a:buChar char="•"/>
+            </a:pPr>
+            <a:r>
+              <a:rPr lang="en-US" sz="2800" dirty="0">
+                <a:effectLst/>
+                <a:latin typeface="Roboto" panose="02000000000000000000" pitchFamily="2" charset="0"/>
+                <a:ea typeface="Roboto" panose="02000000000000000000" pitchFamily="2" charset="0"/>
+                <a:cs typeface="Times New Roman" panose="02020603050405020304" pitchFamily="18" charset="0"/>
+              </a:rPr>
+              <a:t>26,666 users</a:t>
+            </a:r>
+          </a:p>
+          <a:p>
+            <a:pPr marL="457200" indent="-457200">
+              <a:buFont typeface="Arial" panose="020B0604020202020204" pitchFamily="34" charset="0"/>
+              <a:buChar char="•"/>
+            </a:pPr>
+            <a:r>
+              <a:rPr lang="en-US" sz="2800" dirty="0">
+                <a:effectLst/>
+                <a:latin typeface="Roboto" panose="02000000000000000000" pitchFamily="2" charset="0"/>
+                <a:ea typeface="Roboto" panose="02000000000000000000" pitchFamily="2" charset="0"/>
+                <a:cs typeface="Times New Roman" panose="02020603050405020304" pitchFamily="18" charset="0"/>
+              </a:rPr>
+              <a:t>3,967 movies </a:t>
+            </a:r>
+          </a:p>
+          <a:p>
+            <a:pPr marL="457200" indent="-457200">
+              <a:buFont typeface="Arial" panose="020B0604020202020204" pitchFamily="34" charset="0"/>
+              <a:buChar char="•"/>
+            </a:pPr>
+            <a:r>
+              <a:rPr lang="en-US" sz="2800" dirty="0">
+                <a:effectLst/>
+                <a:latin typeface="Roboto" panose="02000000000000000000" pitchFamily="2" charset="0"/>
+                <a:ea typeface="Roboto" panose="02000000000000000000" pitchFamily="2" charset="0"/>
+                <a:cs typeface="Times New Roman" panose="02020603050405020304" pitchFamily="18" charset="0"/>
+              </a:rPr>
+              <a:t>5,019,231 ratings</a:t>
+            </a:r>
+            <a:endParaRPr lang="en-US" dirty="0">
+              <a:latin typeface="Roboto" panose="02000000000000000000" pitchFamily="2" charset="0"/>
+              <a:ea typeface="Roboto" panose="02000000000000000000" pitchFamily="2" charset="0"/>
+            </a:endParaRPr>
+          </a:p>
+        </p:txBody>
+      </p:sp>
+      <p:pic>
+        <p:nvPicPr>
+          <p:cNvPr id="11" name="Picture 10">
+            <a:extLst>
+              <a:ext uri="{FF2B5EF4-FFF2-40B4-BE49-F238E27FC236}">
+                <a16:creationId xmlns:a16="http://schemas.microsoft.com/office/drawing/2014/main" id="{A33343CD-2E97-A2A1-29BA-D74236214111}"/>
+              </a:ext>
+            </a:extLst>
+          </p:cNvPr>
+          <p:cNvPicPr>
+            <a:picLocks noChangeAspect="1"/>
+          </p:cNvPicPr>
+          <p:nvPr/>
+        </p:nvPicPr>
+        <p:blipFill>
+          <a:blip r:embed="rId2"/>
+          <a:stretch>
+            <a:fillRect/>
+          </a:stretch>
+        </p:blipFill>
+        <p:spPr>
+          <a:xfrm>
+            <a:off x="5951765" y="1005841"/>
+            <a:ext cx="5192485" cy="3943660"/>
+          </a:xfrm>
+          <a:prstGeom prst="rect">
+            <a:avLst/>
+          </a:prstGeom>
+          <a:ln w="25400">
+            <a:solidFill>
+              <a:schemeClr val="tx1"/>
+            </a:solidFill>
+          </a:ln>
+        </p:spPr>
+      </p:pic>
+      <p:pic>
+        <p:nvPicPr>
+          <p:cNvPr id="18" name="Picture 17">
+            <a:extLst>
+              <a:ext uri="{FF2B5EF4-FFF2-40B4-BE49-F238E27FC236}">
+                <a16:creationId xmlns:a16="http://schemas.microsoft.com/office/drawing/2014/main" id="{E7CE7CD8-0D09-FDBB-B453-B5426A0F75B7}"/>
+              </a:ext>
+            </a:extLst>
+          </p:cNvPr>
+          <p:cNvPicPr>
+            <a:picLocks noChangeAspect="1"/>
+          </p:cNvPicPr>
+          <p:nvPr/>
+        </p:nvPicPr>
+        <p:blipFill>
+          <a:blip r:embed="rId3"/>
+          <a:stretch>
+            <a:fillRect/>
+          </a:stretch>
+        </p:blipFill>
+        <p:spPr>
+          <a:xfrm>
+            <a:off x="5920740" y="4993627"/>
+            <a:ext cx="5184815" cy="1635045"/>
+          </a:xfrm>
+          <a:prstGeom prst="rect">
+            <a:avLst/>
+          </a:prstGeom>
+          <a:noFill/>
+          <a:ln w="25400">
+            <a:solidFill>
+              <a:srgbClr val="002060"/>
+            </a:solidFill>
+          </a:ln>
+        </p:spPr>
+      </p:pic>
     </p:spTree>
     <p:extLst>
       <p:ext uri="{BB962C8B-B14F-4D97-AF65-F5344CB8AC3E}">
-        <p14:creationId xmlns:p14="http://schemas.microsoft.com/office/powerpoint/2010/main" val="3351426515"/>
+        <p14:creationId xmlns:p14="http://schemas.microsoft.com/office/powerpoint/2010/main" val="1742575591"/>
+      </p:ext>
+    </p:extLst>
+  </p:cSld>
+  <p:clrMapOvr>
+    <a:masterClrMapping/>
+  </p:clrMapOvr>
+</p:sld>
+</file>
+
+<file path=ppt/slides/slide8.xml><?xml version="1.0" encoding="utf-8"?>
+<p:sld xmlns:a="http://schemas.openxmlformats.org/drawingml/2006/main" xmlns:r="http://schemas.openxmlformats.org/officeDocument/2006/relationships" xmlns:p="http://schemas.openxmlformats.org/presentationml/2006/main">
+  <p:cSld>
+    <p:spTree>
+      <p:nvGrpSpPr>
+        <p:cNvPr id="1" name=""/>
+        <p:cNvGrpSpPr/>
+        <p:nvPr/>
+      </p:nvGrpSpPr>
+      <p:grpSpPr>
+        <a:xfrm>
+          <a:off x="0" y="0"/>
+          <a:ext cx="0" cy="0"/>
+          <a:chOff x="0" y="0"/>
+          <a:chExt cx="0" cy="0"/>
+        </a:xfrm>
+      </p:grpSpPr>
+      <p:sp>
+        <p:nvSpPr>
+          <p:cNvPr id="18" name="Title 17">
+            <a:extLst>
+              <a:ext uri="{FF2B5EF4-FFF2-40B4-BE49-F238E27FC236}">
+                <a16:creationId xmlns:a16="http://schemas.microsoft.com/office/drawing/2014/main" id="{43C87396-02C5-A142-1053-5D1ADBB5CD98}"/>
+              </a:ext>
+            </a:extLst>
+          </p:cNvPr>
+          <p:cNvSpPr>
+            <a:spLocks noGrp="1"/>
+          </p:cNvSpPr>
+          <p:nvPr>
+            <p:ph type="title"/>
+          </p:nvPr>
+        </p:nvSpPr>
+        <p:spPr>
+          <a:xfrm>
+            <a:off x="849630" y="0"/>
+            <a:ext cx="10515600" cy="1325563"/>
+          </a:xfrm>
+        </p:spPr>
+        <p:txBody>
+          <a:bodyPr>
+            <a:normAutofit/>
+          </a:bodyPr>
+          <a:lstStyle/>
+          <a:p>
+            <a:pPr algn="ctr"/>
+            <a:r>
+              <a:rPr lang="en-US" sz="3200" dirty="0"/>
+              <a:t>Item Collaborative Filtering</a:t>
+            </a:r>
+          </a:p>
+        </p:txBody>
+      </p:sp>
+      <p:pic>
+        <p:nvPicPr>
+          <p:cNvPr id="3" name="Picture 2">
+            <a:extLst>
+              <a:ext uri="{FF2B5EF4-FFF2-40B4-BE49-F238E27FC236}">
+                <a16:creationId xmlns:a16="http://schemas.microsoft.com/office/drawing/2014/main" id="{429E4392-0075-D676-5A44-0C2853A5D78E}"/>
+              </a:ext>
+            </a:extLst>
+          </p:cNvPr>
+          <p:cNvPicPr>
+            <a:picLocks noChangeAspect="1"/>
+          </p:cNvPicPr>
+          <p:nvPr/>
+        </p:nvPicPr>
+        <p:blipFill>
+          <a:blip r:embed="rId2"/>
+          <a:stretch>
+            <a:fillRect/>
+          </a:stretch>
+        </p:blipFill>
+        <p:spPr>
+          <a:xfrm>
+            <a:off x="6724553" y="1337310"/>
+            <a:ext cx="5146015" cy="3543300"/>
+          </a:xfrm>
+          <a:prstGeom prst="rect">
+            <a:avLst/>
+          </a:prstGeom>
+          <a:ln w="25400">
+            <a:solidFill>
+              <a:schemeClr val="tx1"/>
+            </a:solidFill>
+          </a:ln>
+        </p:spPr>
+      </p:pic>
+      <p:pic>
+        <p:nvPicPr>
+          <p:cNvPr id="9" name="Picture 8">
+            <a:extLst>
+              <a:ext uri="{FF2B5EF4-FFF2-40B4-BE49-F238E27FC236}">
+                <a16:creationId xmlns:a16="http://schemas.microsoft.com/office/drawing/2014/main" id="{C95458C5-516B-01E6-8F23-563618D232CB}"/>
+              </a:ext>
+            </a:extLst>
+          </p:cNvPr>
+          <p:cNvPicPr>
+            <a:picLocks noChangeAspect="1"/>
+          </p:cNvPicPr>
+          <p:nvPr/>
+        </p:nvPicPr>
+        <p:blipFill>
+          <a:blip r:embed="rId3"/>
+          <a:stretch>
+            <a:fillRect/>
+          </a:stretch>
+        </p:blipFill>
+        <p:spPr>
+          <a:xfrm>
+            <a:off x="857250" y="1348740"/>
+            <a:ext cx="4789170" cy="3637344"/>
+          </a:xfrm>
+          <a:prstGeom prst="rect">
+            <a:avLst/>
+          </a:prstGeom>
+          <a:ln w="25400">
+            <a:solidFill>
+              <a:schemeClr val="tx1"/>
+            </a:solidFill>
+          </a:ln>
+        </p:spPr>
+      </p:pic>
+    </p:spTree>
+    <p:extLst>
+      <p:ext uri="{BB962C8B-B14F-4D97-AF65-F5344CB8AC3E}">
+        <p14:creationId xmlns:p14="http://schemas.microsoft.com/office/powerpoint/2010/main" val="2927555631"/>
+      </p:ext>
+    </p:extLst>
+  </p:cSld>
+  <p:clrMapOvr>
+    <a:masterClrMapping/>
+  </p:clrMapOvr>
+</p:sld>
+</file>
+
+<file path=ppt/slides/slide9.xml><?xml version="1.0" encoding="utf-8"?>
+<p:sld xmlns:a="http://schemas.openxmlformats.org/drawingml/2006/main" xmlns:r="http://schemas.openxmlformats.org/officeDocument/2006/relationships" xmlns:p="http://schemas.openxmlformats.org/presentationml/2006/main">
+  <p:cSld>
+    <p:spTree>
+      <p:nvGrpSpPr>
+        <p:cNvPr id="1" name=""/>
+        <p:cNvGrpSpPr/>
+        <p:nvPr/>
+      </p:nvGrpSpPr>
+      <p:grpSpPr>
+        <a:xfrm>
+          <a:off x="0" y="0"/>
+          <a:ext cx="0" cy="0"/>
+          <a:chOff x="0" y="0"/>
+          <a:chExt cx="0" cy="0"/>
+        </a:xfrm>
+      </p:grpSpPr>
+      <p:sp>
+        <p:nvSpPr>
+          <p:cNvPr id="2" name="Title 1">
+            <a:extLst>
+              <a:ext uri="{FF2B5EF4-FFF2-40B4-BE49-F238E27FC236}">
+                <a16:creationId xmlns:a16="http://schemas.microsoft.com/office/drawing/2014/main" id="{6DB83E41-8E17-0576-4BED-CB5E0CACBBE6}"/>
+              </a:ext>
+            </a:extLst>
+          </p:cNvPr>
+          <p:cNvSpPr>
+            <a:spLocks noGrp="1"/>
+          </p:cNvSpPr>
+          <p:nvPr>
+            <p:ph type="title"/>
+          </p:nvPr>
+        </p:nvSpPr>
+        <p:spPr>
+          <a:xfrm>
+            <a:off x="803910" y="0"/>
+            <a:ext cx="10515600" cy="1325563"/>
+          </a:xfrm>
+        </p:spPr>
+        <p:txBody>
+          <a:bodyPr>
+            <a:normAutofit/>
+          </a:bodyPr>
+          <a:lstStyle/>
+          <a:p>
+            <a:pPr algn="ctr"/>
+            <a:r>
+              <a:rPr lang="en-US" sz="3200" dirty="0"/>
+              <a:t>Item Based Recommendation</a:t>
+            </a:r>
+          </a:p>
+        </p:txBody>
+      </p:sp>
+      <p:grpSp>
+        <p:nvGrpSpPr>
+          <p:cNvPr id="3" name="Group 2">
+            <a:extLst>
+              <a:ext uri="{FF2B5EF4-FFF2-40B4-BE49-F238E27FC236}">
+                <a16:creationId xmlns:a16="http://schemas.microsoft.com/office/drawing/2014/main" id="{21E4D380-F211-B4BE-8D1F-448DABBB964A}"/>
+              </a:ext>
+            </a:extLst>
+          </p:cNvPr>
+          <p:cNvGrpSpPr>
+            <a:grpSpLocks noChangeAspect="1"/>
+          </p:cNvGrpSpPr>
+          <p:nvPr/>
+        </p:nvGrpSpPr>
+        <p:grpSpPr>
+          <a:xfrm>
+            <a:off x="2343150" y="1100878"/>
+            <a:ext cx="7006590" cy="5352258"/>
+            <a:chOff x="91942" y="952500"/>
+            <a:chExt cx="6857498" cy="5238369"/>
+          </a:xfrm>
+        </p:grpSpPr>
+        <p:sp>
+          <p:nvSpPr>
+            <p:cNvPr id="4" name="TextBox 3">
+              <a:extLst>
+                <a:ext uri="{FF2B5EF4-FFF2-40B4-BE49-F238E27FC236}">
+                  <a16:creationId xmlns:a16="http://schemas.microsoft.com/office/drawing/2014/main" id="{E88D5494-594B-03F4-9865-7C32663E9854}"/>
+                </a:ext>
+              </a:extLst>
+            </p:cNvPr>
+            <p:cNvSpPr txBox="1"/>
+            <p:nvPr/>
+          </p:nvSpPr>
+          <p:spPr>
+            <a:xfrm>
+              <a:off x="106680" y="952500"/>
+              <a:ext cx="6842760" cy="468914"/>
+            </a:xfrm>
+            <a:prstGeom prst="rect">
+              <a:avLst/>
+            </a:prstGeom>
+            <a:noFill/>
+            <a:ln w="25400">
+              <a:solidFill>
+                <a:srgbClr val="002060"/>
+              </a:solidFill>
+            </a:ln>
+          </p:spPr>
+          <p:txBody>
+            <a:bodyPr wrap="square" rtlCol="0">
+              <a:spAutoFit/>
+            </a:bodyPr>
+            <a:lstStyle/>
+            <a:p>
+              <a:pPr algn="ctr"/>
+              <a:r>
+                <a:rPr lang="en-US" dirty="0"/>
+                <a:t>Men in Black II</a:t>
+              </a:r>
+            </a:p>
+          </p:txBody>
+        </p:sp>
+        <p:pic>
+          <p:nvPicPr>
+            <p:cNvPr id="5" name="Picture 4">
+              <a:extLst>
+                <a:ext uri="{FF2B5EF4-FFF2-40B4-BE49-F238E27FC236}">
+                  <a16:creationId xmlns:a16="http://schemas.microsoft.com/office/drawing/2014/main" id="{396BEB03-D06F-4D43-B925-F214B2783A17}"/>
+                </a:ext>
+              </a:extLst>
+            </p:cNvPr>
+            <p:cNvPicPr>
+              <a:picLocks noChangeAspect="1"/>
+            </p:cNvPicPr>
+            <p:nvPr/>
+          </p:nvPicPr>
+          <p:blipFill>
+            <a:blip r:embed="rId2"/>
+            <a:stretch>
+              <a:fillRect/>
+            </a:stretch>
+          </p:blipFill>
+          <p:spPr>
+            <a:xfrm>
+              <a:off x="91942" y="1438818"/>
+              <a:ext cx="6857498" cy="4752051"/>
+            </a:xfrm>
+            <a:prstGeom prst="rect">
+              <a:avLst/>
+            </a:prstGeom>
+            <a:ln w="25400">
+              <a:solidFill>
+                <a:schemeClr val="tx1"/>
+              </a:solidFill>
+            </a:ln>
+          </p:spPr>
+        </p:pic>
+        <p:sp>
+          <p:nvSpPr>
+            <p:cNvPr id="6" name="TextBox 5">
+              <a:extLst>
+                <a:ext uri="{FF2B5EF4-FFF2-40B4-BE49-F238E27FC236}">
+                  <a16:creationId xmlns:a16="http://schemas.microsoft.com/office/drawing/2014/main" id="{123AD10B-3607-8F59-F8F3-534B8581A920}"/>
+                </a:ext>
+              </a:extLst>
+            </p:cNvPr>
+            <p:cNvSpPr txBox="1"/>
+            <p:nvPr/>
+          </p:nvSpPr>
+          <p:spPr>
+            <a:xfrm>
+              <a:off x="5829300" y="2076450"/>
+              <a:ext cx="1085850" cy="4110990"/>
+            </a:xfrm>
+            <a:prstGeom prst="rect">
+              <a:avLst/>
+            </a:prstGeom>
+            <a:noFill/>
+            <a:ln w="25400">
+              <a:solidFill>
+                <a:srgbClr val="FF0000"/>
+              </a:solidFill>
+            </a:ln>
+          </p:spPr>
+          <p:txBody>
+            <a:bodyPr wrap="square" rtlCol="0">
+              <a:spAutoFit/>
+            </a:bodyPr>
+            <a:lstStyle/>
+            <a:p>
+              <a:endParaRPr lang="en-US" dirty="0"/>
+            </a:p>
+          </p:txBody>
+        </p:sp>
+      </p:grpSp>
+    </p:spTree>
+    <p:extLst>
+      <p:ext uri="{BB962C8B-B14F-4D97-AF65-F5344CB8AC3E}">
+        <p14:creationId xmlns:p14="http://schemas.microsoft.com/office/powerpoint/2010/main" val="1932660150"/>
       </p:ext>
     </p:extLst>
   </p:cSld>
